--- a/doc/UI AUTOMATION.pptx
+++ b/doc/UI AUTOMATION.pptx
@@ -5,13 +5,18 @@
     <p:sldMasterId id="2147483648" r:id="rId1"/>
   </p:sldMasterIdLst>
   <p:notesMasterIdLst>
-    <p:notesMasterId r:id="rId6"/>
+    <p:notesMasterId r:id="rId11"/>
   </p:notesMasterIdLst>
   <p:sldIdLst>
     <p:sldId id="256" r:id="rId2"/>
     <p:sldId id="258" r:id="rId3"/>
     <p:sldId id="257" r:id="rId4"/>
-    <p:sldId id="259" r:id="rId5"/>
+    <p:sldId id="260" r:id="rId5"/>
+    <p:sldId id="259" r:id="rId6"/>
+    <p:sldId id="261" r:id="rId7"/>
+    <p:sldId id="262" r:id="rId8"/>
+    <p:sldId id="263" r:id="rId9"/>
+    <p:sldId id="264" r:id="rId10"/>
   </p:sldIdLst>
   <p:sldSz cx="12192000" cy="6858000"/>
   <p:notesSz cx="6858000" cy="9144000"/>
@@ -110,6 +115,28 @@
       </a:defRPr>
     </a:lvl9pPr>
   </p:defaultTextStyle>
+  <p:extLst>
+    <p:ext uri="{521415D9-36F7-43E2-AB2F-B90AF26B5E84}">
+      <p14:sectionLst xmlns:p14="http://schemas.microsoft.com/office/powerpoint/2010/main">
+        <p14:section name="Default Section" id="{8EA47F58-D664-F54F-B530-3BBC63F3DDB8}">
+          <p14:sldIdLst>
+            <p14:sldId id="256"/>
+            <p14:sldId id="258"/>
+            <p14:sldId id="257"/>
+            <p14:sldId id="260"/>
+            <p14:sldId id="259"/>
+            <p14:sldId id="261"/>
+            <p14:sldId id="262"/>
+            <p14:sldId id="263"/>
+            <p14:sldId id="264"/>
+          </p14:sldIdLst>
+        </p14:section>
+      </p14:sectionLst>
+    </p:ext>
+    <p:ext uri="{EFAFB233-063F-42B5-8137-9DF3F51BA10A}">
+      <p15:sldGuideLst xmlns:p15="http://schemas.microsoft.com/office/powerpoint/2012/main"/>
+    </p:ext>
+  </p:extLst>
 </p:presentation>
 </file>
 
@@ -630,6 +657,457 @@
     <p:extLst>
       <p:ext uri="{BB962C8B-B14F-4D97-AF65-F5344CB8AC3E}">
         <p14:creationId xmlns:p14="http://schemas.microsoft.com/office/powerpoint/2010/main" val="220812397"/>
+      </p:ext>
+    </p:extLst>
+  </p:cSld>
+  <p:clrMapOvr>
+    <a:masterClrMapping/>
+  </p:clrMapOvr>
+</p:notes>
+</file>
+
+<file path=ppt/notesSlides/notesSlide3.xml><?xml version="1.0" encoding="utf-8"?>
+<p:notes xmlns:a="http://schemas.openxmlformats.org/drawingml/2006/main" xmlns:r="http://schemas.openxmlformats.org/officeDocument/2006/relationships" xmlns:p="http://schemas.openxmlformats.org/presentationml/2006/main">
+  <p:cSld>
+    <p:spTree>
+      <p:nvGrpSpPr>
+        <p:cNvPr id="1" name=""/>
+        <p:cNvGrpSpPr/>
+        <p:nvPr/>
+      </p:nvGrpSpPr>
+      <p:grpSpPr>
+        <a:xfrm>
+          <a:off x="0" y="0"/>
+          <a:ext cx="0" cy="0"/>
+          <a:chOff x="0" y="0"/>
+          <a:chExt cx="0" cy="0"/>
+        </a:xfrm>
+      </p:grpSpPr>
+      <p:sp>
+        <p:nvSpPr>
+          <p:cNvPr id="2" name="Slide Image Placeholder 1"/>
+          <p:cNvSpPr>
+            <a:spLocks noGrp="1" noRot="1" noChangeAspect="1"/>
+          </p:cNvSpPr>
+          <p:nvPr>
+            <p:ph type="sldImg"/>
+          </p:nvPr>
+        </p:nvSpPr>
+        <p:spPr/>
+      </p:sp>
+      <p:sp>
+        <p:nvSpPr>
+          <p:cNvPr id="3" name="Notes Placeholder 2"/>
+          <p:cNvSpPr>
+            <a:spLocks noGrp="1"/>
+          </p:cNvSpPr>
+          <p:nvPr>
+            <p:ph type="body" idx="1"/>
+          </p:nvPr>
+        </p:nvSpPr>
+        <p:spPr/>
+        <p:txBody>
+          <a:bodyPr/>
+          <a:lstStyle/>
+          <a:p>
+            <a:endParaRPr lang="en-US" dirty="0"/>
+          </a:p>
+        </p:txBody>
+      </p:sp>
+      <p:sp>
+        <p:nvSpPr>
+          <p:cNvPr id="4" name="Slide Number Placeholder 3"/>
+          <p:cNvSpPr>
+            <a:spLocks noGrp="1"/>
+          </p:cNvSpPr>
+          <p:nvPr>
+            <p:ph type="sldNum" sz="quarter" idx="10"/>
+          </p:nvPr>
+        </p:nvSpPr>
+        <p:spPr/>
+        <p:txBody>
+          <a:bodyPr/>
+          <a:lstStyle/>
+          <a:p>
+            <a:fld id="{9C19C8DF-0CBD-A84E-A070-AAD28E2E3FC6}" type="slidenum">
+              <a:rPr lang="en-US" smtClean="0"/>
+              <a:t>4</a:t>
+            </a:fld>
+            <a:endParaRPr lang="en-US"/>
+          </a:p>
+        </p:txBody>
+      </p:sp>
+    </p:spTree>
+    <p:extLst>
+      <p:ext uri="{BB962C8B-B14F-4D97-AF65-F5344CB8AC3E}">
+        <p14:creationId xmlns:p14="http://schemas.microsoft.com/office/powerpoint/2010/main" val="1079192077"/>
+      </p:ext>
+    </p:extLst>
+  </p:cSld>
+  <p:clrMapOvr>
+    <a:masterClrMapping/>
+  </p:clrMapOvr>
+</p:notes>
+</file>
+
+<file path=ppt/notesSlides/notesSlide4.xml><?xml version="1.0" encoding="utf-8"?>
+<p:notes xmlns:a="http://schemas.openxmlformats.org/drawingml/2006/main" xmlns:r="http://schemas.openxmlformats.org/officeDocument/2006/relationships" xmlns:p="http://schemas.openxmlformats.org/presentationml/2006/main">
+  <p:cSld>
+    <p:spTree>
+      <p:nvGrpSpPr>
+        <p:cNvPr id="1" name=""/>
+        <p:cNvGrpSpPr/>
+        <p:nvPr/>
+      </p:nvGrpSpPr>
+      <p:grpSpPr>
+        <a:xfrm>
+          <a:off x="0" y="0"/>
+          <a:ext cx="0" cy="0"/>
+          <a:chOff x="0" y="0"/>
+          <a:chExt cx="0" cy="0"/>
+        </a:xfrm>
+      </p:grpSpPr>
+      <p:sp>
+        <p:nvSpPr>
+          <p:cNvPr id="2" name="Slide Image Placeholder 1"/>
+          <p:cNvSpPr>
+            <a:spLocks noGrp="1" noRot="1" noChangeAspect="1"/>
+          </p:cNvSpPr>
+          <p:nvPr>
+            <p:ph type="sldImg"/>
+          </p:nvPr>
+        </p:nvSpPr>
+        <p:spPr/>
+      </p:sp>
+      <p:sp>
+        <p:nvSpPr>
+          <p:cNvPr id="3" name="Notes Placeholder 2"/>
+          <p:cNvSpPr>
+            <a:spLocks noGrp="1"/>
+          </p:cNvSpPr>
+          <p:nvPr>
+            <p:ph type="body" idx="1"/>
+          </p:nvPr>
+        </p:nvSpPr>
+        <p:spPr/>
+        <p:txBody>
+          <a:bodyPr/>
+          <a:lstStyle/>
+          <a:p>
+            <a:r>
+              <a:rPr lang="zh-CN" altLang="en-US" dirty="0" smtClean="0"/>
+              <a:t>只有</a:t>
+            </a:r>
+            <a:r>
+              <a:rPr lang="en-US" altLang="zh-CN" dirty="0" smtClean="0"/>
+              <a:t>Driver</a:t>
+            </a:r>
+            <a:r>
+              <a:rPr lang="zh-CN" altLang="en-US" dirty="0" smtClean="0"/>
+              <a:t>会调用</a:t>
+            </a:r>
+            <a:r>
+              <a:rPr lang="en-US" altLang="zh-CN" dirty="0" err="1" smtClean="0"/>
+              <a:t>Appium</a:t>
+            </a:r>
+            <a:r>
+              <a:rPr lang="zh-CN" altLang="en-US" dirty="0" smtClean="0"/>
+              <a:t> </a:t>
+            </a:r>
+            <a:r>
+              <a:rPr lang="en-US" altLang="zh-CN" dirty="0" smtClean="0"/>
+              <a:t>API</a:t>
+            </a:r>
+            <a:endParaRPr lang="zh-CN" altLang="en-US" dirty="0" smtClean="0"/>
+          </a:p>
+          <a:p>
+            <a:r>
+              <a:rPr lang="zh-CN" altLang="en-US" dirty="0" smtClean="0"/>
+              <a:t>除了黄色的部分其它部分需自己写</a:t>
+            </a:r>
+            <a:endParaRPr lang="en-US" dirty="0"/>
+          </a:p>
+        </p:txBody>
+      </p:sp>
+      <p:sp>
+        <p:nvSpPr>
+          <p:cNvPr id="4" name="Slide Number Placeholder 3"/>
+          <p:cNvSpPr>
+            <a:spLocks noGrp="1"/>
+          </p:cNvSpPr>
+          <p:nvPr>
+            <p:ph type="sldNum" sz="quarter" idx="10"/>
+          </p:nvPr>
+        </p:nvSpPr>
+        <p:spPr/>
+        <p:txBody>
+          <a:bodyPr/>
+          <a:lstStyle/>
+          <a:p>
+            <a:fld id="{9C19C8DF-0CBD-A84E-A070-AAD28E2E3FC6}" type="slidenum">
+              <a:rPr lang="en-US" smtClean="0"/>
+              <a:t>5</a:t>
+            </a:fld>
+            <a:endParaRPr lang="en-US"/>
+          </a:p>
+        </p:txBody>
+      </p:sp>
+    </p:spTree>
+    <p:extLst>
+      <p:ext uri="{BB962C8B-B14F-4D97-AF65-F5344CB8AC3E}">
+        <p14:creationId xmlns:p14="http://schemas.microsoft.com/office/powerpoint/2010/main" val="1542294709"/>
+      </p:ext>
+    </p:extLst>
+  </p:cSld>
+  <p:clrMapOvr>
+    <a:masterClrMapping/>
+  </p:clrMapOvr>
+</p:notes>
+</file>
+
+<file path=ppt/notesSlides/notesSlide5.xml><?xml version="1.0" encoding="utf-8"?>
+<p:notes xmlns:a="http://schemas.openxmlformats.org/drawingml/2006/main" xmlns:r="http://schemas.openxmlformats.org/officeDocument/2006/relationships" xmlns:p="http://schemas.openxmlformats.org/presentationml/2006/main">
+  <p:cSld>
+    <p:spTree>
+      <p:nvGrpSpPr>
+        <p:cNvPr id="1" name=""/>
+        <p:cNvGrpSpPr/>
+        <p:nvPr/>
+      </p:nvGrpSpPr>
+      <p:grpSpPr>
+        <a:xfrm>
+          <a:off x="0" y="0"/>
+          <a:ext cx="0" cy="0"/>
+          <a:chOff x="0" y="0"/>
+          <a:chExt cx="0" cy="0"/>
+        </a:xfrm>
+      </p:grpSpPr>
+      <p:sp>
+        <p:nvSpPr>
+          <p:cNvPr id="2" name="Slide Image Placeholder 1"/>
+          <p:cNvSpPr>
+            <a:spLocks noGrp="1" noRot="1" noChangeAspect="1"/>
+          </p:cNvSpPr>
+          <p:nvPr>
+            <p:ph type="sldImg"/>
+          </p:nvPr>
+        </p:nvSpPr>
+        <p:spPr/>
+      </p:sp>
+      <p:sp>
+        <p:nvSpPr>
+          <p:cNvPr id="3" name="Notes Placeholder 2"/>
+          <p:cNvSpPr>
+            <a:spLocks noGrp="1"/>
+          </p:cNvSpPr>
+          <p:nvPr>
+            <p:ph type="body" idx="1"/>
+          </p:nvPr>
+        </p:nvSpPr>
+        <p:spPr/>
+        <p:txBody>
+          <a:bodyPr/>
+          <a:lstStyle/>
+          <a:p>
+            <a:endParaRPr lang="en-US" dirty="0"/>
+          </a:p>
+        </p:txBody>
+      </p:sp>
+      <p:sp>
+        <p:nvSpPr>
+          <p:cNvPr id="4" name="Slide Number Placeholder 3"/>
+          <p:cNvSpPr>
+            <a:spLocks noGrp="1"/>
+          </p:cNvSpPr>
+          <p:nvPr>
+            <p:ph type="sldNum" sz="quarter" idx="10"/>
+          </p:nvPr>
+        </p:nvSpPr>
+        <p:spPr/>
+        <p:txBody>
+          <a:bodyPr/>
+          <a:lstStyle/>
+          <a:p>
+            <a:fld id="{9C19C8DF-0CBD-A84E-A070-AAD28E2E3FC6}" type="slidenum">
+              <a:rPr lang="en-US" smtClean="0"/>
+              <a:t>6</a:t>
+            </a:fld>
+            <a:endParaRPr lang="en-US"/>
+          </a:p>
+        </p:txBody>
+      </p:sp>
+    </p:spTree>
+    <p:extLst>
+      <p:ext uri="{BB962C8B-B14F-4D97-AF65-F5344CB8AC3E}">
+        <p14:creationId xmlns:p14="http://schemas.microsoft.com/office/powerpoint/2010/main" val="970878136"/>
+      </p:ext>
+    </p:extLst>
+  </p:cSld>
+  <p:clrMapOvr>
+    <a:masterClrMapping/>
+  </p:clrMapOvr>
+</p:notes>
+</file>
+
+<file path=ppt/notesSlides/notesSlide6.xml><?xml version="1.0" encoding="utf-8"?>
+<p:notes xmlns:a="http://schemas.openxmlformats.org/drawingml/2006/main" xmlns:r="http://schemas.openxmlformats.org/officeDocument/2006/relationships" xmlns:p="http://schemas.openxmlformats.org/presentationml/2006/main">
+  <p:cSld>
+    <p:spTree>
+      <p:nvGrpSpPr>
+        <p:cNvPr id="1" name=""/>
+        <p:cNvGrpSpPr/>
+        <p:nvPr/>
+      </p:nvGrpSpPr>
+      <p:grpSpPr>
+        <a:xfrm>
+          <a:off x="0" y="0"/>
+          <a:ext cx="0" cy="0"/>
+          <a:chOff x="0" y="0"/>
+          <a:chExt cx="0" cy="0"/>
+        </a:xfrm>
+      </p:grpSpPr>
+      <p:sp>
+        <p:nvSpPr>
+          <p:cNvPr id="2" name="Slide Image Placeholder 1"/>
+          <p:cNvSpPr>
+            <a:spLocks noGrp="1" noRot="1" noChangeAspect="1"/>
+          </p:cNvSpPr>
+          <p:nvPr>
+            <p:ph type="sldImg"/>
+          </p:nvPr>
+        </p:nvSpPr>
+        <p:spPr/>
+      </p:sp>
+      <p:sp>
+        <p:nvSpPr>
+          <p:cNvPr id="3" name="Notes Placeholder 2"/>
+          <p:cNvSpPr>
+            <a:spLocks noGrp="1"/>
+          </p:cNvSpPr>
+          <p:nvPr>
+            <p:ph type="body" idx="1"/>
+          </p:nvPr>
+        </p:nvSpPr>
+        <p:spPr/>
+        <p:txBody>
+          <a:bodyPr/>
+          <a:lstStyle/>
+          <a:p>
+            <a:endParaRPr lang="en-US" dirty="0"/>
+          </a:p>
+        </p:txBody>
+      </p:sp>
+      <p:sp>
+        <p:nvSpPr>
+          <p:cNvPr id="4" name="Slide Number Placeholder 3"/>
+          <p:cNvSpPr>
+            <a:spLocks noGrp="1"/>
+          </p:cNvSpPr>
+          <p:nvPr>
+            <p:ph type="sldNum" sz="quarter" idx="10"/>
+          </p:nvPr>
+        </p:nvSpPr>
+        <p:spPr/>
+        <p:txBody>
+          <a:bodyPr/>
+          <a:lstStyle/>
+          <a:p>
+            <a:fld id="{9C19C8DF-0CBD-A84E-A070-AAD28E2E3FC6}" type="slidenum">
+              <a:rPr lang="en-US" smtClean="0"/>
+              <a:t>8</a:t>
+            </a:fld>
+            <a:endParaRPr lang="en-US"/>
+          </a:p>
+        </p:txBody>
+      </p:sp>
+    </p:spTree>
+    <p:extLst>
+      <p:ext uri="{BB962C8B-B14F-4D97-AF65-F5344CB8AC3E}">
+        <p14:creationId xmlns:p14="http://schemas.microsoft.com/office/powerpoint/2010/main" val="484884919"/>
+      </p:ext>
+    </p:extLst>
+  </p:cSld>
+  <p:clrMapOvr>
+    <a:masterClrMapping/>
+  </p:clrMapOvr>
+</p:notes>
+</file>
+
+<file path=ppt/notesSlides/notesSlide7.xml><?xml version="1.0" encoding="utf-8"?>
+<p:notes xmlns:a="http://schemas.openxmlformats.org/drawingml/2006/main" xmlns:r="http://schemas.openxmlformats.org/officeDocument/2006/relationships" xmlns:p="http://schemas.openxmlformats.org/presentationml/2006/main">
+  <p:cSld>
+    <p:spTree>
+      <p:nvGrpSpPr>
+        <p:cNvPr id="1" name=""/>
+        <p:cNvGrpSpPr/>
+        <p:nvPr/>
+      </p:nvGrpSpPr>
+      <p:grpSpPr>
+        <a:xfrm>
+          <a:off x="0" y="0"/>
+          <a:ext cx="0" cy="0"/>
+          <a:chOff x="0" y="0"/>
+          <a:chExt cx="0" cy="0"/>
+        </a:xfrm>
+      </p:grpSpPr>
+      <p:sp>
+        <p:nvSpPr>
+          <p:cNvPr id="2" name="Slide Image Placeholder 1"/>
+          <p:cNvSpPr>
+            <a:spLocks noGrp="1" noRot="1" noChangeAspect="1"/>
+          </p:cNvSpPr>
+          <p:nvPr>
+            <p:ph type="sldImg"/>
+          </p:nvPr>
+        </p:nvSpPr>
+        <p:spPr/>
+      </p:sp>
+      <p:sp>
+        <p:nvSpPr>
+          <p:cNvPr id="3" name="Notes Placeholder 2"/>
+          <p:cNvSpPr>
+            <a:spLocks noGrp="1"/>
+          </p:cNvSpPr>
+          <p:nvPr>
+            <p:ph type="body" idx="1"/>
+          </p:nvPr>
+        </p:nvSpPr>
+        <p:spPr/>
+        <p:txBody>
+          <a:bodyPr/>
+          <a:lstStyle/>
+          <a:p>
+            <a:endParaRPr lang="en-US" dirty="0"/>
+          </a:p>
+        </p:txBody>
+      </p:sp>
+      <p:sp>
+        <p:nvSpPr>
+          <p:cNvPr id="4" name="Slide Number Placeholder 3"/>
+          <p:cNvSpPr>
+            <a:spLocks noGrp="1"/>
+          </p:cNvSpPr>
+          <p:nvPr>
+            <p:ph type="sldNum" sz="quarter" idx="10"/>
+          </p:nvPr>
+        </p:nvSpPr>
+        <p:spPr/>
+        <p:txBody>
+          <a:bodyPr/>
+          <a:lstStyle/>
+          <a:p>
+            <a:fld id="{9C19C8DF-0CBD-A84E-A070-AAD28E2E3FC6}" type="slidenum">
+              <a:rPr lang="en-US" smtClean="0"/>
+              <a:t>9</a:t>
+            </a:fld>
+            <a:endParaRPr lang="en-US"/>
+          </a:p>
+        </p:txBody>
+      </p:sp>
+    </p:spTree>
+    <p:extLst>
+      <p:ext uri="{BB962C8B-B14F-4D97-AF65-F5344CB8AC3E}">
+        <p14:creationId xmlns:p14="http://schemas.microsoft.com/office/powerpoint/2010/main" val="1631270458"/>
       </p:ext>
     </p:extLst>
   </p:cSld>
@@ -3956,6 +4434,170 @@
           <a:chExt cx="0" cy="0"/>
         </a:xfrm>
       </p:grpSpPr>
+      <p:sp>
+        <p:nvSpPr>
+          <p:cNvPr id="2" name="Title 1"/>
+          <p:cNvSpPr>
+            <a:spLocks noGrp="1"/>
+          </p:cNvSpPr>
+          <p:nvPr>
+            <p:ph type="title"/>
+          </p:nvPr>
+        </p:nvSpPr>
+        <p:spPr/>
+        <p:txBody>
+          <a:bodyPr/>
+          <a:lstStyle/>
+          <a:p>
+            <a:r>
+              <a:rPr lang="zh-CN" altLang="en-US" dirty="0" smtClean="0"/>
+              <a:t>框架基本功能</a:t>
+            </a:r>
+            <a:endParaRPr lang="en-US" dirty="0"/>
+          </a:p>
+        </p:txBody>
+      </p:sp>
+      <p:sp>
+        <p:nvSpPr>
+          <p:cNvPr id="3" name="Content Placeholder 2"/>
+          <p:cNvSpPr>
+            <a:spLocks noGrp="1"/>
+          </p:cNvSpPr>
+          <p:nvPr>
+            <p:ph idx="1"/>
+          </p:nvPr>
+        </p:nvSpPr>
+        <p:spPr/>
+        <p:txBody>
+          <a:bodyPr/>
+          <a:lstStyle/>
+          <a:p>
+            <a:r>
+              <a:rPr lang="zh-CN" altLang="en-US" dirty="0"/>
+              <a:t>每秒生成一次截图</a:t>
+            </a:r>
+          </a:p>
+          <a:p>
+            <a:r>
+              <a:rPr lang="zh-CN" altLang="en-US" dirty="0"/>
+              <a:t>生成</a:t>
+            </a:r>
+            <a:r>
+              <a:rPr lang="en-US" altLang="zh-CN" dirty="0"/>
+              <a:t>Android/iOS log</a:t>
+            </a:r>
+            <a:r>
+              <a:rPr lang="zh-CN" altLang="en-US" dirty="0"/>
+              <a:t>文件</a:t>
+            </a:r>
+          </a:p>
+          <a:p>
+            <a:r>
+              <a:rPr lang="zh-CN" altLang="en-US" dirty="0"/>
+              <a:t>用例执行失败自动重试，且重试次数可配置</a:t>
+            </a:r>
+          </a:p>
+          <a:p>
+            <a:r>
+              <a:rPr lang="zh-CN" altLang="en-US" dirty="0"/>
+              <a:t>用例执行失败时自动截图</a:t>
+            </a:r>
+          </a:p>
+          <a:p>
+            <a:r>
+              <a:rPr lang="zh-CN" altLang="en-US" dirty="0"/>
+              <a:t>生成测试报告</a:t>
+            </a:r>
+            <a:r>
+              <a:rPr lang="en-US" altLang="zh-CN" dirty="0"/>
+              <a:t>(</a:t>
+            </a:r>
+            <a:r>
+              <a:rPr lang="en-US" altLang="zh-CN" dirty="0" err="1"/>
+              <a:t>NGReport</a:t>
+            </a:r>
+            <a:r>
+              <a:rPr lang="en-US" altLang="zh-CN" dirty="0"/>
+              <a:t>)</a:t>
+            </a:r>
+          </a:p>
+          <a:p>
+            <a:r>
+              <a:rPr lang="zh-CN" altLang="en-US" dirty="0"/>
+              <a:t>通过</a:t>
+            </a:r>
+            <a:r>
+              <a:rPr lang="en-US" altLang="zh-CN" dirty="0"/>
+              <a:t>xml</a:t>
+            </a:r>
+            <a:r>
+              <a:rPr lang="zh-CN" altLang="en-US" dirty="0"/>
+              <a:t>配置待执行的测试用例</a:t>
+            </a:r>
+          </a:p>
+          <a:p>
+            <a:r>
+              <a:rPr lang="zh-CN" altLang="en-US" dirty="0"/>
+              <a:t>通过</a:t>
+            </a:r>
+            <a:r>
+              <a:rPr lang="en-US" altLang="zh-CN" dirty="0" err="1"/>
+              <a:t>yml</a:t>
+            </a:r>
+            <a:r>
+              <a:rPr lang="zh-CN" altLang="en-US" dirty="0"/>
+              <a:t>指定待执行测试的设备及</a:t>
+            </a:r>
+            <a:r>
+              <a:rPr lang="en-US" altLang="zh-CN" dirty="0" err="1"/>
+              <a:t>Appium</a:t>
+            </a:r>
+            <a:r>
+              <a:rPr lang="zh-CN" altLang="en-US" dirty="0"/>
+              <a:t>端口</a:t>
+            </a:r>
+          </a:p>
+          <a:p>
+            <a:r>
+              <a:rPr lang="zh-CN" altLang="en-US" dirty="0"/>
+              <a:t>支持自定义配置项</a:t>
+            </a:r>
+          </a:p>
+          <a:p>
+            <a:endParaRPr lang="en-US" dirty="0"/>
+          </a:p>
+        </p:txBody>
+      </p:sp>
+    </p:spTree>
+    <p:extLst>
+      <p:ext uri="{BB962C8B-B14F-4D97-AF65-F5344CB8AC3E}">
+        <p14:creationId xmlns:p14="http://schemas.microsoft.com/office/powerpoint/2010/main" val="1053773863"/>
+      </p:ext>
+    </p:extLst>
+  </p:cSld>
+  <p:clrMapOvr>
+    <a:masterClrMapping/>
+  </p:clrMapOvr>
+</p:sld>
+</file>
+
+<file path=ppt/slides/slide5.xml><?xml version="1.0" encoding="utf-8"?>
+<p:sld xmlns:a="http://schemas.openxmlformats.org/drawingml/2006/main" xmlns:r="http://schemas.openxmlformats.org/officeDocument/2006/relationships" xmlns:p="http://schemas.openxmlformats.org/presentationml/2006/main">
+  <p:cSld>
+    <p:spTree>
+      <p:nvGrpSpPr>
+        <p:cNvPr id="1" name=""/>
+        <p:cNvGrpSpPr/>
+        <p:nvPr/>
+      </p:nvGrpSpPr>
+      <p:grpSpPr>
+        <a:xfrm>
+          <a:off x="0" y="0"/>
+          <a:ext cx="0" cy="0"/>
+          <a:chOff x="0" y="0"/>
+          <a:chExt cx="0" cy="0"/>
+        </a:xfrm>
+      </p:grpSpPr>
       <p:pic>
         <p:nvPicPr>
           <p:cNvPr id="4" name="Content Placeholder 3"/>
@@ -3967,7 +4609,7 @@
           </p:nvPr>
         </p:nvPicPr>
         <p:blipFill>
-          <a:blip r:embed="rId2">
+          <a:blip r:embed="rId3">
             <a:extLst>
               <a:ext uri="{28A0092B-C50C-407E-A947-70E740481C1C}">
                 <a14:useLocalDpi xmlns:a14="http://schemas.microsoft.com/office/drawing/2010/main" val="0"/>
@@ -4002,6 +4644,885 @@
       </p:par>
     </p:tnLst>
   </p:timing>
+</p:sld>
+</file>
+
+<file path=ppt/slides/slide6.xml><?xml version="1.0" encoding="utf-8"?>
+<p:sld xmlns:a="http://schemas.openxmlformats.org/drawingml/2006/main" xmlns:r="http://schemas.openxmlformats.org/officeDocument/2006/relationships" xmlns:p="http://schemas.openxmlformats.org/presentationml/2006/main">
+  <p:cSld>
+    <p:spTree>
+      <p:nvGrpSpPr>
+        <p:cNvPr id="1" name=""/>
+        <p:cNvGrpSpPr/>
+        <p:nvPr/>
+      </p:nvGrpSpPr>
+      <p:grpSpPr>
+        <a:xfrm>
+          <a:off x="0" y="0"/>
+          <a:ext cx="0" cy="0"/>
+          <a:chOff x="0" y="0"/>
+          <a:chExt cx="0" cy="0"/>
+        </a:xfrm>
+      </p:grpSpPr>
+      <p:sp>
+        <p:nvSpPr>
+          <p:cNvPr id="2" name="Title 1"/>
+          <p:cNvSpPr>
+            <a:spLocks noGrp="1"/>
+          </p:cNvSpPr>
+          <p:nvPr>
+            <p:ph type="title"/>
+          </p:nvPr>
+        </p:nvSpPr>
+        <p:spPr/>
+        <p:txBody>
+          <a:bodyPr/>
+          <a:lstStyle/>
+          <a:p>
+            <a:r>
+              <a:rPr lang="zh-CN" altLang="en-US" dirty="0" smtClean="0"/>
+              <a:t>基础类介绍</a:t>
+            </a:r>
+            <a:endParaRPr lang="en-US" dirty="0"/>
+          </a:p>
+        </p:txBody>
+      </p:sp>
+      <p:sp>
+        <p:nvSpPr>
+          <p:cNvPr id="3" name="Content Placeholder 2"/>
+          <p:cNvSpPr>
+            <a:spLocks noGrp="1"/>
+          </p:cNvSpPr>
+          <p:nvPr>
+            <p:ph idx="1"/>
+          </p:nvPr>
+        </p:nvSpPr>
+        <p:spPr/>
+        <p:txBody>
+          <a:bodyPr>
+            <a:normAutofit fontScale="92500"/>
+          </a:bodyPr>
+          <a:lstStyle/>
+          <a:p>
+            <a:r>
+              <a:rPr lang="en-US" altLang="zh-CN" dirty="0"/>
+              <a:t>Driver : </a:t>
+            </a:r>
+            <a:r>
+              <a:rPr lang="zh-CN" altLang="en-US" dirty="0" smtClean="0"/>
+              <a:t>           封</a:t>
+            </a:r>
+            <a:r>
+              <a:rPr lang="zh-CN" altLang="en-US" dirty="0"/>
+              <a:t>装所有用到的</a:t>
+            </a:r>
+            <a:r>
+              <a:rPr lang="en-US" altLang="zh-CN" dirty="0" err="1"/>
+              <a:t>Appium</a:t>
+            </a:r>
+            <a:r>
+              <a:rPr lang="zh-CN" altLang="en-US" dirty="0"/>
+              <a:t>方法</a:t>
+            </a:r>
+            <a:r>
+              <a:rPr lang="zh-CN" altLang="en-US" dirty="0" smtClean="0"/>
+              <a:t>。</a:t>
+            </a:r>
+          </a:p>
+          <a:p>
+            <a:r>
+              <a:rPr lang="en-US" altLang="zh-CN" dirty="0" err="1" smtClean="0"/>
+              <a:t>BasePage</a:t>
+            </a:r>
+            <a:r>
+              <a:rPr lang="en-US" altLang="zh-CN" dirty="0" smtClean="0"/>
+              <a:t> </a:t>
+            </a:r>
+            <a:r>
+              <a:rPr lang="en-US" altLang="zh-CN" dirty="0"/>
+              <a:t>: </a:t>
+            </a:r>
+            <a:r>
+              <a:rPr lang="zh-CN" altLang="en-US" dirty="0" smtClean="0"/>
+              <a:t>      所有</a:t>
+            </a:r>
+            <a:r>
+              <a:rPr lang="en-US" altLang="zh-CN" dirty="0"/>
+              <a:t>Page</a:t>
+            </a:r>
+            <a:r>
+              <a:rPr lang="zh-CN" altLang="en-US" dirty="0"/>
+              <a:t>类的基类</a:t>
+            </a:r>
+          </a:p>
+          <a:p>
+            <a:r>
+              <a:rPr lang="en-US" altLang="zh-CN" dirty="0" err="1"/>
+              <a:t>BaseTest</a:t>
+            </a:r>
+            <a:r>
+              <a:rPr lang="en-US" altLang="zh-CN" dirty="0"/>
+              <a:t> : </a:t>
+            </a:r>
+            <a:r>
+              <a:rPr lang="zh-CN" altLang="en-US" dirty="0" smtClean="0"/>
+              <a:t>       所有</a:t>
+            </a:r>
+            <a:r>
+              <a:rPr lang="en-US" altLang="zh-CN" dirty="0"/>
+              <a:t>Test</a:t>
+            </a:r>
+            <a:r>
+              <a:rPr lang="zh-CN" altLang="en-US" dirty="0"/>
+              <a:t>类的基类</a:t>
+            </a:r>
+          </a:p>
+          <a:p>
+            <a:r>
+              <a:rPr lang="en-US" altLang="zh-CN" dirty="0" err="1"/>
+              <a:t>ConfigUtil</a:t>
+            </a:r>
+            <a:r>
+              <a:rPr lang="en-US" altLang="zh-CN" dirty="0"/>
+              <a:t> : </a:t>
+            </a:r>
+            <a:r>
+              <a:rPr lang="zh-CN" altLang="en-US" dirty="0" smtClean="0"/>
+              <a:t>     读取</a:t>
+            </a:r>
+            <a:r>
+              <a:rPr lang="en-US" altLang="zh-CN" dirty="0" err="1" smtClean="0"/>
+              <a:t>config.</a:t>
+            </a:r>
+            <a:r>
+              <a:rPr lang="en-US" altLang="zh-CN" dirty="0" err="1" smtClean="0"/>
+              <a:t>yml</a:t>
+            </a:r>
+            <a:r>
+              <a:rPr lang="zh-CN" altLang="en-US" dirty="0" smtClean="0"/>
+              <a:t>配置</a:t>
+            </a:r>
+            <a:r>
+              <a:rPr lang="zh-CN" altLang="en-US" dirty="0"/>
+              <a:t>文件</a:t>
+            </a:r>
+          </a:p>
+          <a:p>
+            <a:r>
+              <a:rPr lang="en-US" altLang="zh-CN" dirty="0" err="1"/>
+              <a:t>ResourceUtil</a:t>
+            </a:r>
+            <a:r>
+              <a:rPr lang="en-US" altLang="zh-CN" dirty="0"/>
+              <a:t> : </a:t>
+            </a:r>
+            <a:r>
+              <a:rPr lang="zh-CN" altLang="en-US" dirty="0" smtClean="0"/>
+              <a:t>读取*</a:t>
+            </a:r>
+            <a:r>
+              <a:rPr lang="en-US" altLang="zh-CN" dirty="0" err="1" smtClean="0"/>
+              <a:t>RES.yml</a:t>
+            </a:r>
+            <a:r>
+              <a:rPr lang="zh-CN" altLang="en-US" dirty="0" smtClean="0"/>
+              <a:t>资源</a:t>
+            </a:r>
+            <a:r>
+              <a:rPr lang="zh-CN" altLang="en-US" dirty="0"/>
+              <a:t>配置文件</a:t>
+            </a:r>
+          </a:p>
+          <a:p>
+            <a:r>
+              <a:rPr lang="en-US" altLang="zh-CN" dirty="0" err="1"/>
+              <a:t>Util</a:t>
+            </a:r>
+            <a:r>
+              <a:rPr lang="en-US" altLang="zh-CN" dirty="0"/>
+              <a:t> : </a:t>
+            </a:r>
+            <a:r>
+              <a:rPr lang="zh-CN" altLang="en-US" dirty="0" smtClean="0"/>
+              <a:t>                工具</a:t>
+            </a:r>
+            <a:r>
+              <a:rPr lang="zh-CN" altLang="en-US" dirty="0"/>
+              <a:t>类，提供</a:t>
+            </a:r>
+            <a:r>
+              <a:rPr lang="zh-CN" altLang="en-US" dirty="0" smtClean="0"/>
+              <a:t>一些</a:t>
+            </a:r>
+            <a:r>
+              <a:rPr lang="zh-CN" altLang="en-US" dirty="0" smtClean="0"/>
+              <a:t>通</a:t>
+            </a:r>
+            <a:r>
+              <a:rPr lang="zh-CN" altLang="en-US" dirty="0" smtClean="0"/>
+              <a:t>用</a:t>
+            </a:r>
+            <a:r>
+              <a:rPr lang="zh-CN" altLang="en-US" dirty="0"/>
+              <a:t>方法</a:t>
+            </a:r>
+          </a:p>
+          <a:p>
+            <a:r>
+              <a:rPr lang="en-US" altLang="zh-CN" dirty="0" err="1"/>
+              <a:t>PageUtil</a:t>
+            </a:r>
+            <a:r>
+              <a:rPr lang="en-US" altLang="zh-CN" dirty="0"/>
+              <a:t> : </a:t>
+            </a:r>
+            <a:r>
+              <a:rPr lang="zh-CN" altLang="en-US" dirty="0" smtClean="0"/>
+              <a:t>        封装</a:t>
+            </a:r>
+            <a:r>
+              <a:rPr lang="zh-CN" altLang="en-US" dirty="0"/>
+              <a:t>进入某个页面的方法，方便复杂</a:t>
+            </a:r>
+            <a:r>
+              <a:rPr lang="en-US" altLang="zh-CN" dirty="0"/>
+              <a:t>test case</a:t>
+            </a:r>
+            <a:r>
+              <a:rPr lang="zh-CN" altLang="en-US" dirty="0"/>
+              <a:t>的编写</a:t>
+            </a:r>
+          </a:p>
+          <a:p>
+            <a:r>
+              <a:rPr lang="en-US" altLang="zh-CN" dirty="0" err="1"/>
+              <a:t>TestListener</a:t>
+            </a:r>
+            <a:r>
+              <a:rPr lang="en-US" altLang="zh-CN" dirty="0"/>
+              <a:t> : </a:t>
+            </a:r>
+            <a:r>
+              <a:rPr lang="zh-CN" altLang="en-US" dirty="0" smtClean="0"/>
+              <a:t> 监听</a:t>
+            </a:r>
+            <a:r>
+              <a:rPr lang="zh-CN" altLang="en-US" dirty="0"/>
+              <a:t>测试</a:t>
+            </a:r>
+            <a:r>
+              <a:rPr lang="zh-CN" altLang="en-US" dirty="0" smtClean="0"/>
+              <a:t>结果，用例执行失败时截图</a:t>
+            </a:r>
+            <a:endParaRPr lang="zh-CN" altLang="en-US" dirty="0"/>
+          </a:p>
+          <a:p>
+            <a:r>
+              <a:rPr lang="en-US" altLang="zh-CN" dirty="0" err="1" smtClean="0"/>
+              <a:t>TestRetry</a:t>
+            </a:r>
+            <a:r>
+              <a:rPr lang="en-US" altLang="zh-CN" dirty="0" smtClean="0"/>
+              <a:t>:</a:t>
+            </a:r>
+            <a:r>
+              <a:rPr lang="zh-CN" altLang="en-US" dirty="0" smtClean="0"/>
+              <a:t>        </a:t>
+            </a:r>
+            <a:r>
+              <a:rPr lang="zh-CN" altLang="en-US" dirty="0" smtClean="0"/>
+              <a:t>用例执行失败重试</a:t>
+            </a:r>
+            <a:endParaRPr lang="zh-CN" altLang="en-US" dirty="0"/>
+          </a:p>
+          <a:p>
+            <a:endParaRPr lang="en-US" dirty="0"/>
+          </a:p>
+        </p:txBody>
+      </p:sp>
+    </p:spTree>
+    <p:extLst>
+      <p:ext uri="{BB962C8B-B14F-4D97-AF65-F5344CB8AC3E}">
+        <p14:creationId xmlns:p14="http://schemas.microsoft.com/office/powerpoint/2010/main" val="1045376230"/>
+      </p:ext>
+    </p:extLst>
+  </p:cSld>
+  <p:clrMapOvr>
+    <a:masterClrMapping/>
+  </p:clrMapOvr>
+</p:sld>
+</file>
+
+<file path=ppt/slides/slide7.xml><?xml version="1.0" encoding="utf-8"?>
+<p:sld xmlns:a="http://schemas.openxmlformats.org/drawingml/2006/main" xmlns:r="http://schemas.openxmlformats.org/officeDocument/2006/relationships" xmlns:p="http://schemas.openxmlformats.org/presentationml/2006/main">
+  <p:cSld>
+    <p:spTree>
+      <p:nvGrpSpPr>
+        <p:cNvPr id="1" name=""/>
+        <p:cNvGrpSpPr/>
+        <p:nvPr/>
+      </p:nvGrpSpPr>
+      <p:grpSpPr>
+        <a:xfrm>
+          <a:off x="0" y="0"/>
+          <a:ext cx="0" cy="0"/>
+          <a:chOff x="0" y="0"/>
+          <a:chExt cx="0" cy="0"/>
+        </a:xfrm>
+      </p:grpSpPr>
+      <p:sp>
+        <p:nvSpPr>
+          <p:cNvPr id="2" name="Title 1"/>
+          <p:cNvSpPr>
+            <a:spLocks noGrp="1"/>
+          </p:cNvSpPr>
+          <p:nvPr>
+            <p:ph type="title"/>
+          </p:nvPr>
+        </p:nvSpPr>
+        <p:spPr/>
+        <p:txBody>
+          <a:bodyPr/>
+          <a:lstStyle/>
+          <a:p>
+            <a:r>
+              <a:rPr lang="zh-CN" altLang="en-US" dirty="0" smtClean="0"/>
+              <a:t>为什么要封装</a:t>
+            </a:r>
+            <a:r>
+              <a:rPr lang="en-US" altLang="zh-CN" dirty="0" err="1" smtClean="0"/>
+              <a:t>Appium</a:t>
+            </a:r>
+            <a:r>
+              <a:rPr lang="zh-CN" altLang="en-US" dirty="0" smtClean="0"/>
+              <a:t> </a:t>
+            </a:r>
+            <a:r>
+              <a:rPr lang="en-US" altLang="zh-CN" dirty="0" smtClean="0"/>
+              <a:t>API?</a:t>
+            </a:r>
+            <a:endParaRPr lang="en-US" dirty="0"/>
+          </a:p>
+        </p:txBody>
+      </p:sp>
+      <p:sp>
+        <p:nvSpPr>
+          <p:cNvPr id="3" name="Content Placeholder 2"/>
+          <p:cNvSpPr>
+            <a:spLocks noGrp="1"/>
+          </p:cNvSpPr>
+          <p:nvPr>
+            <p:ph idx="1"/>
+          </p:nvPr>
+        </p:nvSpPr>
+        <p:spPr/>
+        <p:txBody>
+          <a:bodyPr/>
+          <a:lstStyle/>
+          <a:p>
+            <a:r>
+              <a:rPr lang="zh-CN" altLang="en-US" dirty="0"/>
+              <a:t>屏蔽对</a:t>
+            </a:r>
+            <a:r>
+              <a:rPr lang="en-US" altLang="zh-CN" dirty="0" err="1"/>
+              <a:t>Appium</a:t>
+            </a:r>
+            <a:r>
+              <a:rPr lang="en-US" altLang="zh-CN" dirty="0"/>
+              <a:t> API</a:t>
+            </a:r>
+            <a:r>
+              <a:rPr lang="zh-CN" altLang="en-US" dirty="0"/>
+              <a:t>的依赖，如果</a:t>
+            </a:r>
+            <a:r>
+              <a:rPr lang="en-US" altLang="zh-CN" dirty="0" err="1"/>
+              <a:t>Appium</a:t>
+            </a:r>
+            <a:r>
+              <a:rPr lang="zh-CN" altLang="en-US" dirty="0"/>
+              <a:t>的某个</a:t>
+            </a:r>
+            <a:r>
+              <a:rPr lang="en-US" altLang="zh-CN" dirty="0"/>
+              <a:t>API</a:t>
+            </a:r>
+            <a:r>
+              <a:rPr lang="zh-CN" altLang="en-US" dirty="0"/>
+              <a:t>官方废弃了，只需修改</a:t>
+            </a:r>
+            <a:r>
+              <a:rPr lang="en-US" altLang="zh-CN" dirty="0"/>
+              <a:t>Driver</a:t>
+            </a:r>
+            <a:r>
+              <a:rPr lang="zh-CN" altLang="en-US" dirty="0"/>
+              <a:t>类封装的相应方法</a:t>
+            </a:r>
+            <a:r>
+              <a:rPr lang="zh-CN" altLang="en-US" dirty="0" smtClean="0"/>
+              <a:t>即可</a:t>
+            </a:r>
+          </a:p>
+          <a:p>
+            <a:endParaRPr lang="zh-CN" altLang="en-US" dirty="0"/>
+          </a:p>
+          <a:p>
+            <a:r>
+              <a:rPr lang="zh-CN" altLang="en-US" dirty="0"/>
+              <a:t>如果将</a:t>
+            </a:r>
+            <a:r>
+              <a:rPr lang="en-US" altLang="zh-CN" dirty="0" err="1"/>
+              <a:t>Appium</a:t>
+            </a:r>
+            <a:r>
+              <a:rPr lang="zh-CN" altLang="en-US" dirty="0"/>
+              <a:t>换成</a:t>
+            </a:r>
+            <a:r>
+              <a:rPr lang="en-US" altLang="zh-CN" dirty="0" err="1"/>
+              <a:t>Macaca</a:t>
+            </a:r>
+            <a:r>
+              <a:rPr lang="zh-CN" altLang="en-US" dirty="0"/>
+              <a:t>或其它框架，除了改动</a:t>
+            </a:r>
+            <a:r>
+              <a:rPr lang="en-US" altLang="zh-CN" dirty="0"/>
+              <a:t>Driver</a:t>
+            </a:r>
+            <a:r>
+              <a:rPr lang="zh-CN" altLang="en-US" dirty="0"/>
+              <a:t>类 其它类无需</a:t>
+            </a:r>
+            <a:r>
+              <a:rPr lang="zh-CN" altLang="en-US" dirty="0" smtClean="0"/>
+              <a:t>改动</a:t>
+            </a:r>
+          </a:p>
+          <a:p>
+            <a:endParaRPr lang="zh-CN" altLang="en-US" dirty="0"/>
+          </a:p>
+          <a:p>
+            <a:r>
+              <a:rPr lang="zh-CN" altLang="en-US" dirty="0" smtClean="0"/>
+              <a:t>统一元素的查找方式</a:t>
+            </a:r>
+            <a:endParaRPr lang="zh-CN" altLang="en-US" dirty="0"/>
+          </a:p>
+        </p:txBody>
+      </p:sp>
+    </p:spTree>
+    <p:extLst>
+      <p:ext uri="{BB962C8B-B14F-4D97-AF65-F5344CB8AC3E}">
+        <p14:creationId xmlns:p14="http://schemas.microsoft.com/office/powerpoint/2010/main" val="968081846"/>
+      </p:ext>
+    </p:extLst>
+  </p:cSld>
+  <p:clrMapOvr>
+    <a:masterClrMapping/>
+  </p:clrMapOvr>
+  <p:timing>
+    <p:tnLst>
+      <p:par>
+        <p:cTn id="1" dur="indefinite" restart="never" nodeType="tmRoot"/>
+      </p:par>
+    </p:tnLst>
+  </p:timing>
+</p:sld>
+</file>
+
+<file path=ppt/slides/slide8.xml><?xml version="1.0" encoding="utf-8"?>
+<p:sld xmlns:a="http://schemas.openxmlformats.org/drawingml/2006/main" xmlns:r="http://schemas.openxmlformats.org/officeDocument/2006/relationships" xmlns:p="http://schemas.openxmlformats.org/presentationml/2006/main">
+  <p:cSld>
+    <p:spTree>
+      <p:nvGrpSpPr>
+        <p:cNvPr id="1" name=""/>
+        <p:cNvGrpSpPr/>
+        <p:nvPr/>
+      </p:nvGrpSpPr>
+      <p:grpSpPr>
+        <a:xfrm>
+          <a:off x="0" y="0"/>
+          <a:ext cx="0" cy="0"/>
+          <a:chOff x="0" y="0"/>
+          <a:chExt cx="0" cy="0"/>
+        </a:xfrm>
+      </p:grpSpPr>
+      <p:sp>
+        <p:nvSpPr>
+          <p:cNvPr id="2" name="Title 1"/>
+          <p:cNvSpPr>
+            <a:spLocks noGrp="1"/>
+          </p:cNvSpPr>
+          <p:nvPr>
+            <p:ph type="title"/>
+          </p:nvPr>
+        </p:nvSpPr>
+        <p:spPr>
+          <a:xfrm>
+            <a:off x="491836" y="240435"/>
+            <a:ext cx="3622964" cy="1034184"/>
+          </a:xfrm>
+        </p:spPr>
+        <p:txBody>
+          <a:bodyPr/>
+          <a:lstStyle/>
+          <a:p>
+            <a:r>
+              <a:rPr lang="zh-CN" altLang="en-US" dirty="0" smtClean="0"/>
+              <a:t>配置文件介绍</a:t>
+            </a:r>
+            <a:endParaRPr lang="en-US" dirty="0"/>
+          </a:p>
+        </p:txBody>
+      </p:sp>
+      <p:pic>
+        <p:nvPicPr>
+          <p:cNvPr id="4" name="Content Placeholder 3"/>
+          <p:cNvPicPr>
+            <a:picLocks noGrp="1" noChangeAspect="1"/>
+          </p:cNvPicPr>
+          <p:nvPr>
+            <p:ph idx="1"/>
+          </p:nvPr>
+        </p:nvPicPr>
+        <p:blipFill>
+          <a:blip r:embed="rId3">
+            <a:extLst>
+              <a:ext uri="{28A0092B-C50C-407E-A947-70E740481C1C}">
+                <a14:useLocalDpi xmlns:a14="http://schemas.microsoft.com/office/drawing/2010/main" val="0"/>
+              </a:ext>
+            </a:extLst>
+          </a:blip>
+          <a:stretch>
+            <a:fillRect/>
+          </a:stretch>
+        </p:blipFill>
+        <p:spPr>
+          <a:xfrm>
+            <a:off x="5334007" y="365125"/>
+            <a:ext cx="6019793" cy="6117562"/>
+          </a:xfrm>
+        </p:spPr>
+      </p:pic>
+      <p:sp>
+        <p:nvSpPr>
+          <p:cNvPr id="5" name="TextBox 4"/>
+          <p:cNvSpPr txBox="1"/>
+          <p:nvPr/>
+        </p:nvSpPr>
+        <p:spPr>
+          <a:xfrm>
+            <a:off x="491836" y="1828800"/>
+            <a:ext cx="4371109" cy="646331"/>
+          </a:xfrm>
+          <a:prstGeom prst="rect">
+            <a:avLst/>
+          </a:prstGeom>
+          <a:noFill/>
+        </p:spPr>
+        <p:txBody>
+          <a:bodyPr wrap="square" rtlCol="0">
+            <a:spAutoFit/>
+          </a:bodyPr>
+          <a:lstStyle/>
+          <a:p>
+            <a:r>
+              <a:rPr lang="zh-CN" altLang="en-US" dirty="0" smtClean="0"/>
+              <a:t>通常情况下只需要修改</a:t>
+            </a:r>
+            <a:r>
+              <a:rPr lang="zh-CN" altLang="en-US" dirty="0"/>
+              <a:t> </a:t>
+            </a:r>
+            <a:r>
+              <a:rPr lang="en-US" altLang="zh-CN" dirty="0" smtClean="0"/>
+              <a:t>RUN_TEST_CONFIG</a:t>
+            </a:r>
+            <a:r>
+              <a:rPr lang="zh-CN" altLang="en-US" dirty="0" smtClean="0"/>
+              <a:t>中的值，其它值不需修改</a:t>
+            </a:r>
+            <a:endParaRPr lang="en-US" dirty="0"/>
+          </a:p>
+        </p:txBody>
+      </p:sp>
+    </p:spTree>
+    <p:extLst>
+      <p:ext uri="{BB962C8B-B14F-4D97-AF65-F5344CB8AC3E}">
+        <p14:creationId xmlns:p14="http://schemas.microsoft.com/office/powerpoint/2010/main" val="1878592636"/>
+      </p:ext>
+    </p:extLst>
+  </p:cSld>
+  <p:clrMapOvr>
+    <a:masterClrMapping/>
+  </p:clrMapOvr>
+  <p:timing>
+    <p:tnLst>
+      <p:par>
+        <p:cTn id="1" dur="indefinite" restart="never" nodeType="tmRoot"/>
+      </p:par>
+    </p:tnLst>
+  </p:timing>
+</p:sld>
+</file>
+
+<file path=ppt/slides/slide9.xml><?xml version="1.0" encoding="utf-8"?>
+<p:sld xmlns:a="http://schemas.openxmlformats.org/drawingml/2006/main" xmlns:r="http://schemas.openxmlformats.org/officeDocument/2006/relationships" xmlns:p="http://schemas.openxmlformats.org/presentationml/2006/main">
+  <p:cSld>
+    <p:spTree>
+      <p:nvGrpSpPr>
+        <p:cNvPr id="1" name=""/>
+        <p:cNvGrpSpPr/>
+        <p:nvPr/>
+      </p:nvGrpSpPr>
+      <p:grpSpPr>
+        <a:xfrm>
+          <a:off x="0" y="0"/>
+          <a:ext cx="0" cy="0"/>
+          <a:chOff x="0" y="0"/>
+          <a:chExt cx="0" cy="0"/>
+        </a:xfrm>
+      </p:grpSpPr>
+      <p:sp>
+        <p:nvSpPr>
+          <p:cNvPr id="2" name="Title 1"/>
+          <p:cNvSpPr>
+            <a:spLocks noGrp="1"/>
+          </p:cNvSpPr>
+          <p:nvPr>
+            <p:ph type="title"/>
+          </p:nvPr>
+        </p:nvSpPr>
+        <p:spPr>
+          <a:xfrm>
+            <a:off x="4371109" y="0"/>
+            <a:ext cx="10515600" cy="1325563"/>
+          </a:xfrm>
+        </p:spPr>
+        <p:txBody>
+          <a:bodyPr/>
+          <a:lstStyle/>
+          <a:p>
+            <a:r>
+              <a:rPr lang="zh-CN" altLang="en-US" dirty="0" smtClean="0"/>
+              <a:t>资源文件</a:t>
+            </a:r>
+            <a:endParaRPr lang="en-US" dirty="0"/>
+          </a:p>
+        </p:txBody>
+      </p:sp>
+      <p:pic>
+        <p:nvPicPr>
+          <p:cNvPr id="4" name="Content Placeholder 3"/>
+          <p:cNvPicPr>
+            <a:picLocks noGrp="1" noChangeAspect="1"/>
+          </p:cNvPicPr>
+          <p:nvPr>
+            <p:ph idx="1"/>
+          </p:nvPr>
+        </p:nvPicPr>
+        <p:blipFill>
+          <a:blip r:embed="rId3">
+            <a:extLst>
+              <a:ext uri="{28A0092B-C50C-407E-A947-70E740481C1C}">
+                <a14:useLocalDpi xmlns:a14="http://schemas.microsoft.com/office/drawing/2010/main" val="0"/>
+              </a:ext>
+            </a:extLst>
+          </a:blip>
+          <a:stretch>
+            <a:fillRect/>
+          </a:stretch>
+        </p:blipFill>
+        <p:spPr>
+          <a:xfrm>
+            <a:off x="189157" y="1221654"/>
+            <a:ext cx="5792543" cy="2844655"/>
+          </a:xfrm>
+        </p:spPr>
+      </p:pic>
+      <p:pic>
+        <p:nvPicPr>
+          <p:cNvPr id="6" name="Picture 5"/>
+          <p:cNvPicPr>
+            <a:picLocks noChangeAspect="1"/>
+          </p:cNvPicPr>
+          <p:nvPr/>
+        </p:nvPicPr>
+        <p:blipFill>
+          <a:blip r:embed="rId4">
+            <a:extLst>
+              <a:ext uri="{28A0092B-C50C-407E-A947-70E740481C1C}">
+                <a14:useLocalDpi xmlns:a14="http://schemas.microsoft.com/office/drawing/2010/main" val="0"/>
+              </a:ext>
+            </a:extLst>
+          </a:blip>
+          <a:stretch>
+            <a:fillRect/>
+          </a:stretch>
+        </p:blipFill>
+        <p:spPr>
+          <a:xfrm>
+            <a:off x="5981700" y="3962400"/>
+            <a:ext cx="6210300" cy="2895600"/>
+          </a:xfrm>
+          <a:prstGeom prst="rect">
+            <a:avLst/>
+          </a:prstGeom>
+        </p:spPr>
+      </p:pic>
+      <p:sp>
+        <p:nvSpPr>
+          <p:cNvPr id="7" name="TextBox 6"/>
+          <p:cNvSpPr txBox="1"/>
+          <p:nvPr/>
+        </p:nvSpPr>
+        <p:spPr>
+          <a:xfrm>
+            <a:off x="99102" y="4696692"/>
+            <a:ext cx="5747516" cy="923330"/>
+          </a:xfrm>
+          <a:prstGeom prst="rect">
+            <a:avLst/>
+          </a:prstGeom>
+          <a:noFill/>
+        </p:spPr>
+        <p:txBody>
+          <a:bodyPr wrap="square" rtlCol="0">
+            <a:spAutoFit/>
+          </a:bodyPr>
+          <a:lstStyle/>
+          <a:p>
+            <a:pPr marL="285750" indent="-285750">
+              <a:buFont typeface="Arial" charset="0"/>
+              <a:buChar char="•"/>
+            </a:pPr>
+            <a:r>
+              <a:rPr lang="en-US" altLang="zh-CN" dirty="0" err="1"/>
+              <a:t>AndroidRES.yml</a:t>
+            </a:r>
+            <a:r>
+              <a:rPr lang="en-US" altLang="zh-CN" dirty="0"/>
+              <a:t> </a:t>
+            </a:r>
+            <a:r>
+              <a:rPr lang="zh-CN" altLang="en-US" dirty="0"/>
+              <a:t>写入</a:t>
+            </a:r>
+            <a:r>
+              <a:rPr lang="en-US" altLang="zh-CN" dirty="0"/>
+              <a:t>Android</a:t>
+            </a:r>
+            <a:r>
+              <a:rPr lang="zh-CN" altLang="en-US" dirty="0"/>
+              <a:t>元素查找时需要用到的</a:t>
+            </a:r>
+            <a:r>
+              <a:rPr lang="zh-CN" altLang="en-US" dirty="0" smtClean="0"/>
+              <a:t>值</a:t>
+            </a:r>
+          </a:p>
+          <a:p>
+            <a:pPr marL="285750" indent="-285750">
+              <a:buFont typeface="Arial" charset="0"/>
+              <a:buChar char="•"/>
+            </a:pPr>
+            <a:endParaRPr lang="zh-CN" altLang="en-US" dirty="0"/>
+          </a:p>
+          <a:p>
+            <a:pPr marL="285750" indent="-285750">
+              <a:buFont typeface="Arial" charset="0"/>
+              <a:buChar char="•"/>
+            </a:pPr>
+            <a:r>
+              <a:rPr lang="en-US" altLang="zh-CN" dirty="0" err="1"/>
+              <a:t>IOSRES.yml</a:t>
+            </a:r>
+            <a:r>
+              <a:rPr lang="en-US" altLang="zh-CN" dirty="0"/>
+              <a:t> </a:t>
+            </a:r>
+            <a:r>
+              <a:rPr lang="zh-CN" altLang="en-US" dirty="0"/>
+              <a:t>写入</a:t>
+            </a:r>
+            <a:r>
+              <a:rPr lang="en-US" altLang="zh-CN" dirty="0"/>
+              <a:t>iOS</a:t>
+            </a:r>
+            <a:r>
+              <a:rPr lang="zh-CN" altLang="en-US" dirty="0"/>
+              <a:t>元素查找时需要用到的值</a:t>
+            </a:r>
+          </a:p>
+        </p:txBody>
+      </p:sp>
+      <p:sp>
+        <p:nvSpPr>
+          <p:cNvPr id="8" name="TextBox 7"/>
+          <p:cNvSpPr txBox="1"/>
+          <p:nvPr/>
+        </p:nvSpPr>
+        <p:spPr>
+          <a:xfrm>
+            <a:off x="6444484" y="1310941"/>
+            <a:ext cx="5747516" cy="923330"/>
+          </a:xfrm>
+          <a:prstGeom prst="rect">
+            <a:avLst/>
+          </a:prstGeom>
+          <a:noFill/>
+        </p:spPr>
+        <p:txBody>
+          <a:bodyPr wrap="square" rtlCol="0">
+            <a:spAutoFit/>
+          </a:bodyPr>
+          <a:lstStyle/>
+          <a:p>
+            <a:r>
+              <a:rPr lang="zh-CN" altLang="en-US" dirty="0"/>
+              <a:t>为每个元素新建一个便于辨识的名字，用这个名字统一</a:t>
+            </a:r>
+            <a:r>
+              <a:rPr lang="en-US" altLang="zh-CN" dirty="0"/>
+              <a:t>Android/iOS</a:t>
+            </a:r>
+            <a:r>
+              <a:rPr lang="zh-CN" altLang="en-US" dirty="0"/>
+              <a:t>待查找元素</a:t>
+            </a:r>
+            <a:r>
+              <a:rPr lang="en-US" altLang="zh-CN" dirty="0"/>
+              <a:t>, </a:t>
+            </a:r>
+            <a:r>
+              <a:rPr lang="zh-CN" altLang="en-US" dirty="0"/>
+              <a:t>然后将不同系统找中该名字的元素对应的值写入相应的</a:t>
+            </a:r>
+            <a:r>
+              <a:rPr lang="en-US" altLang="zh-CN" dirty="0" err="1"/>
+              <a:t>RES.yml</a:t>
+            </a:r>
+            <a:r>
+              <a:rPr lang="zh-CN" altLang="en-US" dirty="0"/>
+              <a:t>中</a:t>
+            </a:r>
+          </a:p>
+        </p:txBody>
+      </p:sp>
+    </p:spTree>
+    <p:extLst>
+      <p:ext uri="{BB962C8B-B14F-4D97-AF65-F5344CB8AC3E}">
+        <p14:creationId xmlns:p14="http://schemas.microsoft.com/office/powerpoint/2010/main" val="1907876915"/>
+      </p:ext>
+    </p:extLst>
+  </p:cSld>
+  <p:clrMapOvr>
+    <a:masterClrMapping/>
+  </p:clrMapOvr>
 </p:sld>
 </file>
 
